--- a/Morphosis/문서작업/생각정리용 기획문서.pptx
+++ b/Morphosis/문서작업/생각정리용 기획문서.pptx
@@ -5,7 +5,9 @@
     <p:sldMasterId id="2147483648" r:id="rId1"/>
   </p:sldMasterIdLst>
   <p:sldIdLst>
-    <p:sldId id="256" r:id="rId2"/>
+    <p:sldId id="257" r:id="rId2"/>
+    <p:sldId id="258" r:id="rId3"/>
+    <p:sldId id="259" r:id="rId4"/>
   </p:sldIdLst>
   <p:sldSz cx="12192000" cy="6858000"/>
   <p:notesSz cx="6858000" cy="9144000"/>
@@ -3362,10 +3364,16 @@
           <a:p>
             <a:pPr algn="ctr"/>
             <a:r>
-              <a:rPr lang="en-US" altLang="ko-KR" dirty="0"/>
+              <a:rPr lang="en-US" altLang="ko-KR">
+                <a:latin typeface="THE정고딕110" panose="02020603020101020101" pitchFamily="18" charset="-127"/>
+                <a:ea typeface="THE정고딕110" panose="02020603020101020101" pitchFamily="18" charset="-127"/>
+              </a:rPr>
               <a:t>Default Object</a:t>
             </a:r>
-            <a:endParaRPr lang="ko-KR" altLang="en-US" dirty="0"/>
+            <a:endParaRPr lang="ko-KR" altLang="en-US">
+              <a:latin typeface="THE정고딕110" panose="02020603020101020101" pitchFamily="18" charset="-127"/>
+              <a:ea typeface="THE정고딕110" panose="02020603020101020101" pitchFamily="18" charset="-127"/>
+            </a:endParaRPr>
           </a:p>
         </p:txBody>
       </p:sp>
@@ -3410,17 +3418,26 @@
           <a:p>
             <a:pPr algn="ctr"/>
             <a:r>
-              <a:rPr lang="en-US" altLang="ko-KR" dirty="0"/>
+              <a:rPr lang="en-US" altLang="ko-KR">
+                <a:latin typeface="THE정고딕110" panose="02020603020101020101" pitchFamily="18" charset="-127"/>
+                <a:ea typeface="THE정고딕110" panose="02020603020101020101" pitchFamily="18" charset="-127"/>
+              </a:rPr>
               <a:t>Collide</a:t>
             </a:r>
           </a:p>
           <a:p>
             <a:pPr algn="ctr"/>
             <a:r>
-              <a:rPr lang="en-US" altLang="ko-KR" dirty="0"/>
+              <a:rPr lang="en-US" altLang="ko-KR">
+                <a:latin typeface="THE정고딕110" panose="02020603020101020101" pitchFamily="18" charset="-127"/>
+                <a:ea typeface="THE정고딕110" panose="02020603020101020101" pitchFamily="18" charset="-127"/>
+              </a:rPr>
               <a:t>Object</a:t>
             </a:r>
-            <a:endParaRPr lang="ko-KR" altLang="en-US" dirty="0"/>
+            <a:endParaRPr lang="ko-KR" altLang="en-US">
+              <a:latin typeface="THE정고딕110" panose="02020603020101020101" pitchFamily="18" charset="-127"/>
+              <a:ea typeface="THE정고딕110" panose="02020603020101020101" pitchFamily="18" charset="-127"/>
+            </a:endParaRPr>
           </a:p>
         </p:txBody>
       </p:sp>
@@ -3465,17 +3482,26 @@
           <a:p>
             <a:pPr algn="ctr"/>
             <a:r>
-              <a:rPr lang="en-US" altLang="ko-KR" dirty="0"/>
+              <a:rPr lang="en-US" altLang="ko-KR">
+                <a:latin typeface="THE정고딕110" panose="02020603020101020101" pitchFamily="18" charset="-127"/>
+                <a:ea typeface="THE정고딕110" panose="02020603020101020101" pitchFamily="18" charset="-127"/>
+              </a:rPr>
               <a:t>None-Collide</a:t>
             </a:r>
           </a:p>
           <a:p>
             <a:pPr algn="ctr"/>
             <a:r>
-              <a:rPr lang="en-US" altLang="ko-KR" dirty="0"/>
+              <a:rPr lang="en-US" altLang="ko-KR">
+                <a:latin typeface="THE정고딕110" panose="02020603020101020101" pitchFamily="18" charset="-127"/>
+                <a:ea typeface="THE정고딕110" panose="02020603020101020101" pitchFamily="18" charset="-127"/>
+              </a:rPr>
               <a:t>Object</a:t>
             </a:r>
-            <a:endParaRPr lang="ko-KR" altLang="en-US" dirty="0"/>
+            <a:endParaRPr lang="ko-KR" altLang="en-US">
+              <a:latin typeface="THE정고딕110" panose="02020603020101020101" pitchFamily="18" charset="-127"/>
+              <a:ea typeface="THE정고딕110" panose="02020603020101020101" pitchFamily="18" charset="-127"/>
+            </a:endParaRPr>
           </a:p>
         </p:txBody>
       </p:sp>
@@ -3520,17 +3546,26 @@
           <a:p>
             <a:pPr algn="ctr"/>
             <a:r>
-              <a:rPr lang="en-US" altLang="ko-KR" dirty="0"/>
+              <a:rPr lang="en-US" altLang="ko-KR">
+                <a:latin typeface="THE정고딕110" panose="02020603020101020101" pitchFamily="18" charset="-127"/>
+                <a:ea typeface="THE정고딕110" panose="02020603020101020101" pitchFamily="18" charset="-127"/>
+              </a:rPr>
               <a:t>Moving</a:t>
             </a:r>
           </a:p>
           <a:p>
             <a:pPr algn="ctr"/>
             <a:r>
-              <a:rPr lang="en-US" altLang="ko-KR" dirty="0"/>
+              <a:rPr lang="en-US" altLang="ko-KR">
+                <a:latin typeface="THE정고딕110" panose="02020603020101020101" pitchFamily="18" charset="-127"/>
+                <a:ea typeface="THE정고딕110" panose="02020603020101020101" pitchFamily="18" charset="-127"/>
+              </a:rPr>
               <a:t>Object</a:t>
             </a:r>
-            <a:endParaRPr lang="ko-KR" altLang="en-US" dirty="0"/>
+            <a:endParaRPr lang="ko-KR" altLang="en-US">
+              <a:latin typeface="THE정고딕110" panose="02020603020101020101" pitchFamily="18" charset="-127"/>
+              <a:ea typeface="THE정고딕110" panose="02020603020101020101" pitchFamily="18" charset="-127"/>
+            </a:endParaRPr>
           </a:p>
         </p:txBody>
       </p:sp>
@@ -3575,17 +3610,26 @@
           <a:p>
             <a:pPr algn="ctr"/>
             <a:r>
-              <a:rPr lang="en-US" altLang="ko-KR" dirty="0"/>
+              <a:rPr lang="en-US" altLang="ko-KR">
+                <a:latin typeface="THE정고딕110" panose="02020603020101020101" pitchFamily="18" charset="-127"/>
+                <a:ea typeface="THE정고딕110" panose="02020603020101020101" pitchFamily="18" charset="-127"/>
+              </a:rPr>
               <a:t>None-Moving</a:t>
             </a:r>
           </a:p>
           <a:p>
             <a:pPr algn="ctr"/>
             <a:r>
-              <a:rPr lang="en-US" altLang="ko-KR" dirty="0"/>
+              <a:rPr lang="en-US" altLang="ko-KR">
+                <a:latin typeface="THE정고딕110" panose="02020603020101020101" pitchFamily="18" charset="-127"/>
+                <a:ea typeface="THE정고딕110" panose="02020603020101020101" pitchFamily="18" charset="-127"/>
+              </a:rPr>
               <a:t>Object</a:t>
             </a:r>
-            <a:endParaRPr lang="ko-KR" altLang="en-US" dirty="0"/>
+            <a:endParaRPr lang="ko-KR" altLang="en-US">
+              <a:latin typeface="THE정고딕110" panose="02020603020101020101" pitchFamily="18" charset="-127"/>
+              <a:ea typeface="THE정고딕110" panose="02020603020101020101" pitchFamily="18" charset="-127"/>
+            </a:endParaRPr>
           </a:p>
         </p:txBody>
       </p:sp>
@@ -3867,7 +3911,10 @@
           <a:p>
             <a:pPr algn="just"/>
             <a:r>
-              <a:rPr lang="en-US" altLang="ko-KR" dirty="0"/>
+              <a:rPr lang="en-US" altLang="ko-KR">
+                <a:latin typeface="THE정고딕110" panose="02020603020101020101" pitchFamily="18" charset="-127"/>
+                <a:ea typeface="THE정고딕110" panose="02020603020101020101" pitchFamily="18" charset="-127"/>
+              </a:rPr>
               <a:t>None-Collide Object(==Default Object)</a:t>
             </a:r>
           </a:p>
@@ -3877,7 +3924,10 @@
               <a:buChar char="-"/>
             </a:pPr>
             <a:r>
-              <a:rPr lang="en-US" altLang="ko-KR" dirty="0"/>
+              <a:rPr lang="en-US" altLang="ko-KR">
+                <a:latin typeface="THE정고딕110" panose="02020603020101020101" pitchFamily="18" charset="-127"/>
+                <a:ea typeface="THE정고딕110" panose="02020603020101020101" pitchFamily="18" charset="-127"/>
+              </a:rPr>
               <a:t>Terrain(for Rendering Mesh)</a:t>
             </a:r>
           </a:p>
@@ -3886,12 +3936,18 @@
               <a:buFontTx/>
               <a:buChar char="-"/>
             </a:pPr>
-            <a:endParaRPr lang="en-US" altLang="ko-KR" dirty="0"/>
+            <a:endParaRPr lang="en-US" altLang="ko-KR">
+              <a:latin typeface="THE정고딕110" panose="02020603020101020101" pitchFamily="18" charset="-127"/>
+              <a:ea typeface="THE정고딕110" panose="02020603020101020101" pitchFamily="18" charset="-127"/>
+            </a:endParaRPr>
           </a:p>
           <a:p>
             <a:pPr algn="just"/>
             <a:r>
-              <a:rPr lang="en-US" altLang="ko-KR" dirty="0"/>
+              <a:rPr lang="en-US" altLang="ko-KR">
+                <a:latin typeface="THE정고딕110" panose="02020603020101020101" pitchFamily="18" charset="-127"/>
+                <a:ea typeface="THE정고딕110" panose="02020603020101020101" pitchFamily="18" charset="-127"/>
+              </a:rPr>
               <a:t>Collide Object(==None-Moving Object)</a:t>
             </a:r>
           </a:p>
@@ -3901,7 +3957,10 @@
               <a:buChar char="-"/>
             </a:pPr>
             <a:r>
-              <a:rPr lang="en-US" altLang="ko-KR" dirty="0"/>
+              <a:rPr lang="en-US" altLang="ko-KR">
+                <a:latin typeface="THE정고딕110" panose="02020603020101020101" pitchFamily="18" charset="-127"/>
+                <a:ea typeface="THE정고딕110" panose="02020603020101020101" pitchFamily="18" charset="-127"/>
+              </a:rPr>
               <a:t>Prop</a:t>
             </a:r>
           </a:p>
@@ -3911,15 +3970,24 @@
               <a:buChar char="-"/>
             </a:pPr>
             <a:r>
-              <a:rPr lang="en-US" altLang="ko-KR" dirty="0"/>
+              <a:rPr lang="en-US" altLang="ko-KR">
+                <a:latin typeface="THE정고딕110" panose="02020603020101020101" pitchFamily="18" charset="-127"/>
+                <a:ea typeface="THE정고딕110" panose="02020603020101020101" pitchFamily="18" charset="-127"/>
+              </a:rPr>
               <a:t>Terrain(</a:t>
             </a:r>
             <a:r>
-              <a:rPr lang="en-US" altLang="ko-KR" dirty="0" err="1"/>
+              <a:rPr lang="en-US" altLang="ko-KR" err="1">
+                <a:latin typeface="THE정고딕110" panose="02020603020101020101" pitchFamily="18" charset="-127"/>
+                <a:ea typeface="THE정고딕110" panose="02020603020101020101" pitchFamily="18" charset="-127"/>
+              </a:rPr>
               <a:t>CollisionMap</a:t>
             </a:r>
             <a:r>
-              <a:rPr lang="en-US" altLang="ko-KR" dirty="0"/>
+              <a:rPr lang="en-US" altLang="ko-KR">
+                <a:latin typeface="THE정고딕110" panose="02020603020101020101" pitchFamily="18" charset="-127"/>
+                <a:ea typeface="THE정고딕110" panose="02020603020101020101" pitchFamily="18" charset="-127"/>
+              </a:rPr>
               <a:t>)</a:t>
             </a:r>
           </a:p>
@@ -3929,23 +3997,38 @@
               <a:buChar char="-"/>
             </a:pPr>
             <a:r>
-              <a:rPr lang="en-US" altLang="ko-KR" dirty="0"/>
+              <a:rPr lang="en-US" altLang="ko-KR">
+                <a:latin typeface="THE정고딕110" panose="02020603020101020101" pitchFamily="18" charset="-127"/>
+                <a:ea typeface="THE정고딕110" panose="02020603020101020101" pitchFamily="18" charset="-127"/>
+              </a:rPr>
               <a:t>Skill</a:t>
             </a:r>
             <a:r>
-              <a:rPr lang="ko-KR" altLang="en-US" dirty="0"/>
+              <a:rPr lang="ko-KR" altLang="en-US">
+                <a:latin typeface="THE정고딕110" panose="02020603020101020101" pitchFamily="18" charset="-127"/>
+                <a:ea typeface="THE정고딕110" panose="02020603020101020101" pitchFamily="18" charset="-127"/>
+              </a:rPr>
               <a:t> </a:t>
             </a:r>
             <a:r>
-              <a:rPr lang="en-US" altLang="ko-KR" dirty="0"/>
+              <a:rPr lang="en-US" altLang="ko-KR">
+                <a:latin typeface="THE정고딕110" panose="02020603020101020101" pitchFamily="18" charset="-127"/>
+                <a:ea typeface="THE정고딕110" panose="02020603020101020101" pitchFamily="18" charset="-127"/>
+              </a:rPr>
               <a:t>Judge</a:t>
             </a:r>
             <a:r>
-              <a:rPr lang="ko-KR" altLang="en-US" dirty="0"/>
+              <a:rPr lang="ko-KR" altLang="en-US">
+                <a:latin typeface="THE정고딕110" panose="02020603020101020101" pitchFamily="18" charset="-127"/>
+                <a:ea typeface="THE정고딕110" panose="02020603020101020101" pitchFamily="18" charset="-127"/>
+              </a:rPr>
               <a:t> </a:t>
             </a:r>
             <a:r>
-              <a:rPr lang="en-US" altLang="ko-KR" dirty="0"/>
+              <a:rPr lang="en-US" altLang="ko-KR">
+                <a:latin typeface="THE정고딕110" panose="02020603020101020101" pitchFamily="18" charset="-127"/>
+                <a:ea typeface="THE정고딕110" panose="02020603020101020101" pitchFamily="18" charset="-127"/>
+              </a:rPr>
               <a:t>Object</a:t>
             </a:r>
           </a:p>
@@ -3954,12 +4037,18 @@
               <a:buFontTx/>
               <a:buChar char="-"/>
             </a:pPr>
-            <a:endParaRPr lang="en-US" altLang="ko-KR" dirty="0"/>
+            <a:endParaRPr lang="en-US" altLang="ko-KR">
+              <a:latin typeface="THE정고딕110" panose="02020603020101020101" pitchFamily="18" charset="-127"/>
+              <a:ea typeface="THE정고딕110" panose="02020603020101020101" pitchFamily="18" charset="-127"/>
+            </a:endParaRPr>
           </a:p>
           <a:p>
             <a:pPr algn="just"/>
             <a:r>
-              <a:rPr lang="en-US" altLang="ko-KR" dirty="0"/>
+              <a:rPr lang="en-US" altLang="ko-KR">
+                <a:latin typeface="THE정고딕110" panose="02020603020101020101" pitchFamily="18" charset="-127"/>
+                <a:ea typeface="THE정고딕110" panose="02020603020101020101" pitchFamily="18" charset="-127"/>
+              </a:rPr>
               <a:t>Moving Object</a:t>
             </a:r>
           </a:p>
@@ -3969,7 +4058,10 @@
               <a:buChar char="-"/>
             </a:pPr>
             <a:r>
-              <a:rPr lang="en-US" altLang="ko-KR" dirty="0"/>
+              <a:rPr lang="en-US" altLang="ko-KR">
+                <a:latin typeface="THE정고딕110" panose="02020603020101020101" pitchFamily="18" charset="-127"/>
+                <a:ea typeface="THE정고딕110" panose="02020603020101020101" pitchFamily="18" charset="-127"/>
+              </a:rPr>
               <a:t>Player</a:t>
             </a:r>
           </a:p>
@@ -3979,7 +4071,10 @@
               <a:buChar char="-"/>
             </a:pPr>
             <a:r>
-              <a:rPr lang="en-US" altLang="ko-KR" dirty="0"/>
+              <a:rPr lang="en-US" altLang="ko-KR">
+                <a:latin typeface="THE정고딕110" panose="02020603020101020101" pitchFamily="18" charset="-127"/>
+                <a:ea typeface="THE정고딕110" panose="02020603020101020101" pitchFamily="18" charset="-127"/>
+              </a:rPr>
               <a:t>Bullet</a:t>
             </a:r>
           </a:p>
@@ -3989,7 +4084,10 @@
               <a:buChar char="-"/>
             </a:pPr>
             <a:r>
-              <a:rPr lang="en-US" altLang="ko-KR" dirty="0"/>
+              <a:rPr lang="en-US" altLang="ko-KR">
+                <a:latin typeface="THE정고딕110" panose="02020603020101020101" pitchFamily="18" charset="-127"/>
+                <a:ea typeface="THE정고딕110" panose="02020603020101020101" pitchFamily="18" charset="-127"/>
+              </a:rPr>
               <a:t>Skill projectile</a:t>
             </a:r>
           </a:p>
@@ -3998,23 +4096,35 @@
               <a:buFontTx/>
               <a:buChar char="-"/>
             </a:pPr>
-            <a:endParaRPr lang="en-US" altLang="ko-KR" dirty="0"/>
+            <a:endParaRPr lang="en-US" altLang="ko-KR">
+              <a:latin typeface="THE정고딕110" panose="02020603020101020101" pitchFamily="18" charset="-127"/>
+              <a:ea typeface="THE정고딕110" panose="02020603020101020101" pitchFamily="18" charset="-127"/>
+            </a:endParaRPr>
           </a:p>
           <a:p>
             <a:pPr algn="just"/>
             <a:r>
-              <a:rPr lang="en-US" altLang="ko-KR" dirty="0"/>
+              <a:rPr lang="en-US" altLang="ko-KR">
+                <a:latin typeface="THE정고딕110" panose="02020603020101020101" pitchFamily="18" charset="-127"/>
+                <a:ea typeface="THE정고딕110" panose="02020603020101020101" pitchFamily="18" charset="-127"/>
+              </a:rPr>
               <a:t>Particle Object</a:t>
             </a:r>
           </a:p>
           <a:p>
             <a:pPr algn="just"/>
-            <a:endParaRPr lang="en-US" altLang="ko-KR" dirty="0"/>
+            <a:endParaRPr lang="en-US" altLang="ko-KR">
+              <a:latin typeface="THE정고딕110" panose="02020603020101020101" pitchFamily="18" charset="-127"/>
+              <a:ea typeface="THE정고딕110" panose="02020603020101020101" pitchFamily="18" charset="-127"/>
+            </a:endParaRPr>
           </a:p>
           <a:p>
             <a:pPr algn="just"/>
             <a:r>
-              <a:rPr lang="en-US" altLang="ko-KR" dirty="0"/>
+              <a:rPr lang="en-US" altLang="ko-KR">
+                <a:latin typeface="THE정고딕110" panose="02020603020101020101" pitchFamily="18" charset="-127"/>
+                <a:ea typeface="THE정고딕110" panose="02020603020101020101" pitchFamily="18" charset="-127"/>
+              </a:rPr>
               <a:t>Effect Object</a:t>
             </a:r>
           </a:p>
@@ -4061,24 +4171,36 @@
           <a:p>
             <a:pPr algn="ctr"/>
             <a:r>
-              <a:rPr lang="en-US" altLang="ko-KR" dirty="0"/>
+              <a:rPr lang="en-US" altLang="ko-KR">
+                <a:latin typeface="THE정고딕110" panose="02020603020101020101" pitchFamily="18" charset="-127"/>
+                <a:ea typeface="THE정고딕110" panose="02020603020101020101" pitchFamily="18" charset="-127"/>
+              </a:rPr>
               <a:t>(Moving)</a:t>
             </a:r>
           </a:p>
           <a:p>
             <a:pPr algn="ctr"/>
             <a:r>
-              <a:rPr lang="en-US" altLang="ko-KR" dirty="0"/>
+              <a:rPr lang="en-US" altLang="ko-KR">
+                <a:latin typeface="THE정고딕110" panose="02020603020101020101" pitchFamily="18" charset="-127"/>
+                <a:ea typeface="THE정고딕110" panose="02020603020101020101" pitchFamily="18" charset="-127"/>
+              </a:rPr>
               <a:t>Particle</a:t>
             </a:r>
           </a:p>
           <a:p>
             <a:pPr algn="ctr"/>
             <a:r>
-              <a:rPr lang="en-US" altLang="ko-KR" dirty="0"/>
+              <a:rPr lang="en-US" altLang="ko-KR">
+                <a:latin typeface="THE정고딕110" panose="02020603020101020101" pitchFamily="18" charset="-127"/>
+                <a:ea typeface="THE정고딕110" panose="02020603020101020101" pitchFamily="18" charset="-127"/>
+              </a:rPr>
               <a:t>Object</a:t>
             </a:r>
-            <a:endParaRPr lang="ko-KR" altLang="en-US" dirty="0"/>
+            <a:endParaRPr lang="ko-KR" altLang="en-US">
+              <a:latin typeface="THE정고딕110" panose="02020603020101020101" pitchFamily="18" charset="-127"/>
+              <a:ea typeface="THE정고딕110" panose="02020603020101020101" pitchFamily="18" charset="-127"/>
+            </a:endParaRPr>
           </a:p>
         </p:txBody>
       </p:sp>
@@ -4123,24 +4245,36 @@
           <a:p>
             <a:pPr algn="ctr"/>
             <a:r>
-              <a:rPr lang="en-US" altLang="ko-KR" dirty="0"/>
+              <a:rPr lang="en-US" altLang="ko-KR">
+                <a:latin typeface="THE정고딕110" panose="02020603020101020101" pitchFamily="18" charset="-127"/>
+                <a:ea typeface="THE정고딕110" panose="02020603020101020101" pitchFamily="18" charset="-127"/>
+              </a:rPr>
               <a:t>(N-Moving)</a:t>
             </a:r>
           </a:p>
           <a:p>
             <a:pPr algn="ctr"/>
             <a:r>
-              <a:rPr lang="en-US" altLang="ko-KR" dirty="0"/>
+              <a:rPr lang="en-US" altLang="ko-KR">
+                <a:latin typeface="THE정고딕110" panose="02020603020101020101" pitchFamily="18" charset="-127"/>
+                <a:ea typeface="THE정고딕110" panose="02020603020101020101" pitchFamily="18" charset="-127"/>
+              </a:rPr>
               <a:t>Effect</a:t>
             </a:r>
           </a:p>
           <a:p>
             <a:pPr algn="ctr"/>
             <a:r>
-              <a:rPr lang="en-US" altLang="ko-KR" dirty="0"/>
+              <a:rPr lang="en-US" altLang="ko-KR">
+                <a:latin typeface="THE정고딕110" panose="02020603020101020101" pitchFamily="18" charset="-127"/>
+                <a:ea typeface="THE정고딕110" panose="02020603020101020101" pitchFamily="18" charset="-127"/>
+              </a:rPr>
               <a:t>Object</a:t>
             </a:r>
-            <a:endParaRPr lang="ko-KR" altLang="en-US" dirty="0"/>
+            <a:endParaRPr lang="ko-KR" altLang="en-US">
+              <a:latin typeface="THE정고딕110" panose="02020603020101020101" pitchFamily="18" charset="-127"/>
+              <a:ea typeface="THE정고딕110" panose="02020603020101020101" pitchFamily="18" charset="-127"/>
+            </a:endParaRPr>
           </a:p>
         </p:txBody>
       </p:sp>
@@ -4241,10 +4375,985 @@
           </a:fontRef>
         </p:style>
       </p:cxnSp>
+      <p:sp>
+        <p:nvSpPr>
+          <p:cNvPr id="2" name="TextBox 1">
+            <a:extLst>
+              <a:ext uri="{FF2B5EF4-FFF2-40B4-BE49-F238E27FC236}">
+                <a16:creationId xmlns:a16="http://schemas.microsoft.com/office/drawing/2014/main" id="{095955E8-87FA-49E9-BCED-FE0ED789C941}"/>
+              </a:ext>
+            </a:extLst>
+          </p:cNvPr>
+          <p:cNvSpPr txBox="1"/>
+          <p:nvPr/>
+        </p:nvSpPr>
+        <p:spPr>
+          <a:xfrm>
+            <a:off x="146638" y="110427"/>
+            <a:ext cx="4947133" cy="707886"/>
+          </a:xfrm>
+          <a:prstGeom prst="rect">
+            <a:avLst/>
+          </a:prstGeom>
+          <a:noFill/>
+          <a:ln>
+            <a:noFill/>
+          </a:ln>
+        </p:spPr>
+        <p:style>
+          <a:lnRef idx="0">
+            <a:scrgbClr r="0" g="0" b="0"/>
+          </a:lnRef>
+          <a:fillRef idx="0">
+            <a:scrgbClr r="0" g="0" b="0"/>
+          </a:fillRef>
+          <a:effectRef idx="0">
+            <a:scrgbClr r="0" g="0" b="0"/>
+          </a:effectRef>
+          <a:fontRef idx="minor">
+            <a:schemeClr val="dk1"/>
+          </a:fontRef>
+        </p:style>
+        <p:txBody>
+          <a:bodyPr wrap="square" rtlCol="0" anchor="ctr">
+            <a:spAutoFit/>
+          </a:bodyPr>
+          <a:lstStyle/>
+          <a:p>
+            <a:pPr algn="just"/>
+            <a:r>
+              <a:rPr lang="en-US" altLang="ko-KR" sz="4000">
+                <a:latin typeface="THE정고딕110" panose="02020603020101020101" pitchFamily="18" charset="-127"/>
+                <a:ea typeface="THE정고딕110" panose="02020603020101020101" pitchFamily="18" charset="-127"/>
+              </a:rPr>
+              <a:t>Class of Object</a:t>
+            </a:r>
+            <a:endParaRPr lang="ko-KR" altLang="en-US" sz="4000">
+              <a:latin typeface="THE정고딕110" panose="02020603020101020101" pitchFamily="18" charset="-127"/>
+              <a:ea typeface="THE정고딕110" panose="02020603020101020101" pitchFamily="18" charset="-127"/>
+            </a:endParaRPr>
+          </a:p>
+        </p:txBody>
+      </p:sp>
     </p:spTree>
     <p:extLst>
       <p:ext uri="{BB962C8B-B14F-4D97-AF65-F5344CB8AC3E}">
-        <p14:creationId xmlns:p14="http://schemas.microsoft.com/office/powerpoint/2010/main" val="4064763111"/>
+        <p14:creationId xmlns:p14="http://schemas.microsoft.com/office/powerpoint/2010/main" val="1579746143"/>
+      </p:ext>
+    </p:extLst>
+  </p:cSld>
+  <p:clrMapOvr>
+    <a:masterClrMapping/>
+  </p:clrMapOvr>
+</p:sld>
+</file>
+
+<file path=ppt/slides/slide2.xml><?xml version="1.0" encoding="utf-8"?>
+<p:sld xmlns:a="http://schemas.openxmlformats.org/drawingml/2006/main" xmlns:r="http://schemas.openxmlformats.org/officeDocument/2006/relationships" xmlns:p="http://schemas.openxmlformats.org/presentationml/2006/main">
+  <p:cSld>
+    <p:spTree>
+      <p:nvGrpSpPr>
+        <p:cNvPr id="1" name=""/>
+        <p:cNvGrpSpPr/>
+        <p:nvPr/>
+      </p:nvGrpSpPr>
+      <p:grpSpPr>
+        <a:xfrm>
+          <a:off x="0" y="0"/>
+          <a:ext cx="0" cy="0"/>
+          <a:chOff x="0" y="0"/>
+          <a:chExt cx="0" cy="0"/>
+        </a:xfrm>
+      </p:grpSpPr>
+      <p:sp>
+        <p:nvSpPr>
+          <p:cNvPr id="2" name="TextBox 1">
+            <a:extLst>
+              <a:ext uri="{FF2B5EF4-FFF2-40B4-BE49-F238E27FC236}">
+                <a16:creationId xmlns:a16="http://schemas.microsoft.com/office/drawing/2014/main" id="{095955E8-87FA-49E9-BCED-FE0ED789C941}"/>
+              </a:ext>
+            </a:extLst>
+          </p:cNvPr>
+          <p:cNvSpPr txBox="1"/>
+          <p:nvPr/>
+        </p:nvSpPr>
+        <p:spPr>
+          <a:xfrm>
+            <a:off x="146638" y="110427"/>
+            <a:ext cx="4947133" cy="707886"/>
+          </a:xfrm>
+          <a:prstGeom prst="rect">
+            <a:avLst/>
+          </a:prstGeom>
+          <a:noFill/>
+          <a:ln>
+            <a:noFill/>
+          </a:ln>
+        </p:spPr>
+        <p:style>
+          <a:lnRef idx="0">
+            <a:scrgbClr r="0" g="0" b="0"/>
+          </a:lnRef>
+          <a:fillRef idx="0">
+            <a:scrgbClr r="0" g="0" b="0"/>
+          </a:fillRef>
+          <a:effectRef idx="0">
+            <a:scrgbClr r="0" g="0" b="0"/>
+          </a:effectRef>
+          <a:fontRef idx="minor">
+            <a:schemeClr val="dk1"/>
+          </a:fontRef>
+        </p:style>
+        <p:txBody>
+          <a:bodyPr wrap="square" rtlCol="0" anchor="ctr">
+            <a:spAutoFit/>
+          </a:bodyPr>
+          <a:lstStyle/>
+          <a:p>
+            <a:pPr algn="just"/>
+            <a:r>
+              <a:rPr lang="en-US" altLang="ko-KR" sz="4000">
+                <a:latin typeface="THE정고딕110" panose="02020603020101020101" pitchFamily="18" charset="-127"/>
+                <a:ea typeface="THE정고딕110" panose="02020603020101020101" pitchFamily="18" charset="-127"/>
+              </a:rPr>
+              <a:t>Class of Object</a:t>
+            </a:r>
+            <a:endParaRPr lang="ko-KR" altLang="en-US" sz="4000">
+              <a:latin typeface="THE정고딕110" panose="02020603020101020101" pitchFamily="18" charset="-127"/>
+              <a:ea typeface="THE정고딕110" panose="02020603020101020101" pitchFamily="18" charset="-127"/>
+            </a:endParaRPr>
+          </a:p>
+        </p:txBody>
+      </p:sp>
+      <p:sp>
+        <p:nvSpPr>
+          <p:cNvPr id="3" name="TextBox 2">
+            <a:extLst>
+              <a:ext uri="{FF2B5EF4-FFF2-40B4-BE49-F238E27FC236}">
+                <a16:creationId xmlns:a16="http://schemas.microsoft.com/office/drawing/2014/main" id="{68F40F67-D37A-474F-BBCA-DC7278710D2F}"/>
+              </a:ext>
+            </a:extLst>
+          </p:cNvPr>
+          <p:cNvSpPr txBox="1"/>
+          <p:nvPr/>
+        </p:nvSpPr>
+        <p:spPr>
+          <a:xfrm>
+            <a:off x="146638" y="818313"/>
+            <a:ext cx="11898724" cy="2585323"/>
+          </a:xfrm>
+          <a:prstGeom prst="rect">
+            <a:avLst/>
+          </a:prstGeom>
+          <a:noFill/>
+          <a:ln>
+            <a:noFill/>
+          </a:ln>
+        </p:spPr>
+        <p:style>
+          <a:lnRef idx="0">
+            <a:scrgbClr r="0" g="0" b="0"/>
+          </a:lnRef>
+          <a:fillRef idx="0">
+            <a:scrgbClr r="0" g="0" b="0"/>
+          </a:fillRef>
+          <a:effectRef idx="0">
+            <a:scrgbClr r="0" g="0" b="0"/>
+          </a:effectRef>
+          <a:fontRef idx="minor">
+            <a:schemeClr val="dk1"/>
+          </a:fontRef>
+        </p:style>
+        <p:txBody>
+          <a:bodyPr wrap="square" rtlCol="0" anchor="t">
+            <a:spAutoFit/>
+          </a:bodyPr>
+          <a:lstStyle/>
+          <a:p>
+            <a:pPr algn="just"/>
+            <a:r>
+              <a:rPr lang="en-US" altLang="ko-KR">
+                <a:latin typeface="THE정고딕110" panose="02020603020101020101" pitchFamily="18" charset="-127"/>
+                <a:ea typeface="THE정고딕110" panose="02020603020101020101" pitchFamily="18" charset="-127"/>
+              </a:rPr>
+              <a:t>Collide Object</a:t>
+            </a:r>
+          </a:p>
+          <a:p>
+            <a:pPr algn="just"/>
+            <a:endParaRPr lang="en-US" altLang="ko-KR">
+              <a:latin typeface="THE정고딕110" panose="02020603020101020101" pitchFamily="18" charset="-127"/>
+              <a:ea typeface="THE정고딕110" panose="02020603020101020101" pitchFamily="18" charset="-127"/>
+            </a:endParaRPr>
+          </a:p>
+          <a:p>
+            <a:pPr marL="285750" indent="-285750" algn="just">
+              <a:buFontTx/>
+              <a:buChar char="-"/>
+            </a:pPr>
+            <a:r>
+              <a:rPr lang="en-US" altLang="ko-KR">
+                <a:latin typeface="THE정고딕110" panose="02020603020101020101" pitchFamily="18" charset="-127"/>
+                <a:ea typeface="THE정고딕110" panose="02020603020101020101" pitchFamily="18" charset="-127"/>
+              </a:rPr>
+              <a:t>Position and Rotation</a:t>
+            </a:r>
+          </a:p>
+          <a:p>
+            <a:pPr marL="285750" indent="-285750" algn="just">
+              <a:buFontTx/>
+              <a:buChar char="-"/>
+            </a:pPr>
+            <a:r>
+              <a:rPr lang="en-US" altLang="ko-KR">
+                <a:latin typeface="THE정고딕110" panose="02020603020101020101" pitchFamily="18" charset="-127"/>
+                <a:ea typeface="THE정고딕110" panose="02020603020101020101" pitchFamily="18" charset="-127"/>
+              </a:rPr>
+              <a:t>Model(Meshes, Textures, Animation)</a:t>
+            </a:r>
+          </a:p>
+          <a:p>
+            <a:pPr marL="285750" indent="-285750" algn="just">
+              <a:buFontTx/>
+              <a:buChar char="-"/>
+            </a:pPr>
+            <a:r>
+              <a:rPr lang="en-US" altLang="ko-KR">
+                <a:latin typeface="THE정고딕110" panose="02020603020101020101" pitchFamily="18" charset="-127"/>
+                <a:ea typeface="THE정고딕110" panose="02020603020101020101" pitchFamily="18" charset="-127"/>
+              </a:rPr>
+              <a:t>Bounding Oriented Box</a:t>
+            </a:r>
+          </a:p>
+          <a:p>
+            <a:pPr marL="285750" indent="-285750" algn="just">
+              <a:buFontTx/>
+              <a:buChar char="-"/>
+            </a:pPr>
+            <a:endParaRPr lang="en-US" altLang="ko-KR">
+              <a:latin typeface="THE정고딕110" panose="02020603020101020101" pitchFamily="18" charset="-127"/>
+              <a:ea typeface="THE정고딕110" panose="02020603020101020101" pitchFamily="18" charset="-127"/>
+            </a:endParaRPr>
+          </a:p>
+          <a:p>
+            <a:pPr algn="just"/>
+            <a:r>
+              <a:rPr lang="ko-KR" altLang="en-US">
+                <a:latin typeface="THE정고딕110" panose="02020603020101020101" pitchFamily="18" charset="-127"/>
+                <a:ea typeface="THE정고딕110" panose="02020603020101020101" pitchFamily="18" charset="-127"/>
+              </a:rPr>
+              <a:t>가장 좋은 것은 정밀한 </a:t>
+            </a:r>
+            <a:r>
+              <a:rPr lang="ko-KR" altLang="en-US" err="1">
+                <a:latin typeface="THE정고딕110" panose="02020603020101020101" pitchFamily="18" charset="-127"/>
+                <a:ea typeface="THE정고딕110" panose="02020603020101020101" pitchFamily="18" charset="-127"/>
+              </a:rPr>
+              <a:t>메쉬</a:t>
+            </a:r>
+            <a:r>
+              <a:rPr lang="ko-KR" altLang="en-US">
+                <a:latin typeface="THE정고딕110" panose="02020603020101020101" pitchFamily="18" charset="-127"/>
+                <a:ea typeface="THE정고딕110" panose="02020603020101020101" pitchFamily="18" charset="-127"/>
+              </a:rPr>
+              <a:t> 충돌 </a:t>
+            </a:r>
+            <a:r>
+              <a:rPr lang="ko-KR" altLang="en-US" err="1">
+                <a:latin typeface="THE정고딕110" panose="02020603020101020101" pitchFamily="18" charset="-127"/>
+                <a:ea typeface="THE정고딕110" panose="02020603020101020101" pitchFamily="18" charset="-127"/>
+              </a:rPr>
+              <a:t>처리겠지만</a:t>
+            </a:r>
+            <a:r>
+              <a:rPr lang="ko-KR" altLang="en-US">
+                <a:latin typeface="THE정고딕110" panose="02020603020101020101" pitchFamily="18" charset="-127"/>
+                <a:ea typeface="THE정고딕110" panose="02020603020101020101" pitchFamily="18" charset="-127"/>
+              </a:rPr>
+              <a:t> 일단은 </a:t>
+            </a:r>
+            <a:r>
+              <a:rPr lang="en-US" altLang="ko-KR">
+                <a:latin typeface="THE정고딕110" panose="02020603020101020101" pitchFamily="18" charset="-127"/>
+                <a:ea typeface="THE정고딕110" panose="02020603020101020101" pitchFamily="18" charset="-127"/>
+              </a:rPr>
+              <a:t>OOBB</a:t>
+            </a:r>
+            <a:r>
+              <a:rPr lang="ko-KR" altLang="en-US">
+                <a:latin typeface="THE정고딕110" panose="02020603020101020101" pitchFamily="18" charset="-127"/>
+                <a:ea typeface="THE정고딕110" panose="02020603020101020101" pitchFamily="18" charset="-127"/>
+              </a:rPr>
+              <a:t>를 통해 충돌검사</a:t>
+            </a:r>
+            <a:r>
+              <a:rPr lang="en-US" altLang="ko-KR">
+                <a:latin typeface="THE정고딕110" panose="02020603020101020101" pitchFamily="18" charset="-127"/>
+                <a:ea typeface="THE정고딕110" panose="02020603020101020101" pitchFamily="18" charset="-127"/>
+              </a:rPr>
+              <a:t>.</a:t>
+            </a:r>
+          </a:p>
+          <a:p>
+            <a:pPr algn="just"/>
+            <a:endParaRPr lang="en-US" altLang="ko-KR">
+              <a:latin typeface="THE정고딕110" panose="02020603020101020101" pitchFamily="18" charset="-127"/>
+              <a:ea typeface="THE정고딕110" panose="02020603020101020101" pitchFamily="18" charset="-127"/>
+            </a:endParaRPr>
+          </a:p>
+          <a:p>
+            <a:pPr algn="just"/>
+            <a:endParaRPr lang="en-US" altLang="ko-KR">
+              <a:latin typeface="THE정고딕110" panose="02020603020101020101" pitchFamily="18" charset="-127"/>
+              <a:ea typeface="THE정고딕110" panose="02020603020101020101" pitchFamily="18" charset="-127"/>
+            </a:endParaRPr>
+          </a:p>
+        </p:txBody>
+      </p:sp>
+    </p:spTree>
+    <p:extLst>
+      <p:ext uri="{BB962C8B-B14F-4D97-AF65-F5344CB8AC3E}">
+        <p14:creationId xmlns:p14="http://schemas.microsoft.com/office/powerpoint/2010/main" val="3229949134"/>
+      </p:ext>
+    </p:extLst>
+  </p:cSld>
+  <p:clrMapOvr>
+    <a:masterClrMapping/>
+  </p:clrMapOvr>
+</p:sld>
+</file>
+
+<file path=ppt/slides/slide3.xml><?xml version="1.0" encoding="utf-8"?>
+<p:sld xmlns:a="http://schemas.openxmlformats.org/drawingml/2006/main" xmlns:r="http://schemas.openxmlformats.org/officeDocument/2006/relationships" xmlns:p="http://schemas.openxmlformats.org/presentationml/2006/main">
+  <p:cSld>
+    <p:spTree>
+      <p:nvGrpSpPr>
+        <p:cNvPr id="1" name=""/>
+        <p:cNvGrpSpPr/>
+        <p:nvPr/>
+      </p:nvGrpSpPr>
+      <p:grpSpPr>
+        <a:xfrm>
+          <a:off x="0" y="0"/>
+          <a:ext cx="0" cy="0"/>
+          <a:chOff x="0" y="0"/>
+          <a:chExt cx="0" cy="0"/>
+        </a:xfrm>
+      </p:grpSpPr>
+      <p:sp>
+        <p:nvSpPr>
+          <p:cNvPr id="2" name="TextBox 1">
+            <a:extLst>
+              <a:ext uri="{FF2B5EF4-FFF2-40B4-BE49-F238E27FC236}">
+                <a16:creationId xmlns:a16="http://schemas.microsoft.com/office/drawing/2014/main" id="{095955E8-87FA-49E9-BCED-FE0ED789C941}"/>
+              </a:ext>
+            </a:extLst>
+          </p:cNvPr>
+          <p:cNvSpPr txBox="1"/>
+          <p:nvPr/>
+        </p:nvSpPr>
+        <p:spPr>
+          <a:xfrm>
+            <a:off x="146638" y="110427"/>
+            <a:ext cx="4947133" cy="707886"/>
+          </a:xfrm>
+          <a:prstGeom prst="rect">
+            <a:avLst/>
+          </a:prstGeom>
+          <a:noFill/>
+          <a:ln>
+            <a:noFill/>
+          </a:ln>
+        </p:spPr>
+        <p:style>
+          <a:lnRef idx="0">
+            <a:scrgbClr r="0" g="0" b="0"/>
+          </a:lnRef>
+          <a:fillRef idx="0">
+            <a:scrgbClr r="0" g="0" b="0"/>
+          </a:fillRef>
+          <a:effectRef idx="0">
+            <a:scrgbClr r="0" g="0" b="0"/>
+          </a:effectRef>
+          <a:fontRef idx="minor">
+            <a:schemeClr val="dk1"/>
+          </a:fontRef>
+        </p:style>
+        <p:txBody>
+          <a:bodyPr wrap="square" rtlCol="0" anchor="ctr">
+            <a:spAutoFit/>
+          </a:bodyPr>
+          <a:lstStyle/>
+          <a:p>
+            <a:pPr algn="just"/>
+            <a:r>
+              <a:rPr lang="en-US" altLang="ko-KR" sz="4000">
+                <a:latin typeface="THE정고딕110" panose="02020603020101020101" pitchFamily="18" charset="-127"/>
+                <a:ea typeface="THE정고딕110" panose="02020603020101020101" pitchFamily="18" charset="-127"/>
+              </a:rPr>
+              <a:t>Class of Object</a:t>
+            </a:r>
+            <a:endParaRPr lang="ko-KR" altLang="en-US" sz="4000">
+              <a:latin typeface="THE정고딕110" panose="02020603020101020101" pitchFamily="18" charset="-127"/>
+              <a:ea typeface="THE정고딕110" panose="02020603020101020101" pitchFamily="18" charset="-127"/>
+            </a:endParaRPr>
+          </a:p>
+        </p:txBody>
+      </p:sp>
+      <p:sp>
+        <p:nvSpPr>
+          <p:cNvPr id="3" name="TextBox 2">
+            <a:extLst>
+              <a:ext uri="{FF2B5EF4-FFF2-40B4-BE49-F238E27FC236}">
+                <a16:creationId xmlns:a16="http://schemas.microsoft.com/office/drawing/2014/main" id="{68F40F67-D37A-474F-BBCA-DC7278710D2F}"/>
+              </a:ext>
+            </a:extLst>
+          </p:cNvPr>
+          <p:cNvSpPr txBox="1"/>
+          <p:nvPr/>
+        </p:nvSpPr>
+        <p:spPr>
+          <a:xfrm>
+            <a:off x="146638" y="818313"/>
+            <a:ext cx="11898724" cy="5909310"/>
+          </a:xfrm>
+          <a:prstGeom prst="rect">
+            <a:avLst/>
+          </a:prstGeom>
+          <a:noFill/>
+          <a:ln>
+            <a:noFill/>
+          </a:ln>
+        </p:spPr>
+        <p:style>
+          <a:lnRef idx="0">
+            <a:scrgbClr r="0" g="0" b="0"/>
+          </a:lnRef>
+          <a:fillRef idx="0">
+            <a:scrgbClr r="0" g="0" b="0"/>
+          </a:fillRef>
+          <a:effectRef idx="0">
+            <a:scrgbClr r="0" g="0" b="0"/>
+          </a:effectRef>
+          <a:fontRef idx="minor">
+            <a:schemeClr val="dk1"/>
+          </a:fontRef>
+        </p:style>
+        <p:txBody>
+          <a:bodyPr wrap="square" rtlCol="0" anchor="t">
+            <a:spAutoFit/>
+          </a:bodyPr>
+          <a:lstStyle/>
+          <a:p>
+            <a:pPr algn="just"/>
+            <a:r>
+              <a:rPr lang="en-US" altLang="ko-KR">
+                <a:latin typeface="THE정고딕110" panose="02020603020101020101" pitchFamily="18" charset="-127"/>
+                <a:ea typeface="THE정고딕110" panose="02020603020101020101" pitchFamily="18" charset="-127"/>
+              </a:rPr>
+              <a:t>Moving Object</a:t>
+            </a:r>
+          </a:p>
+          <a:p>
+            <a:pPr algn="just"/>
+            <a:endParaRPr lang="en-US" altLang="ko-KR">
+              <a:latin typeface="THE정고딕110" panose="02020603020101020101" pitchFamily="18" charset="-127"/>
+              <a:ea typeface="THE정고딕110" panose="02020603020101020101" pitchFamily="18" charset="-127"/>
+            </a:endParaRPr>
+          </a:p>
+          <a:p>
+            <a:pPr marL="285750" indent="-285750" algn="just">
+              <a:buFontTx/>
+              <a:buChar char="-"/>
+            </a:pPr>
+            <a:r>
+              <a:rPr lang="en-US" altLang="ko-KR">
+                <a:latin typeface="THE정고딕110" panose="02020603020101020101" pitchFamily="18" charset="-127"/>
+                <a:ea typeface="THE정고딕110" panose="02020603020101020101" pitchFamily="18" charset="-127"/>
+              </a:rPr>
+              <a:t>Player Object</a:t>
+            </a:r>
+          </a:p>
+          <a:p>
+            <a:pPr lvl="1" algn="just"/>
+            <a:r>
+              <a:rPr lang="ko-KR" altLang="en-US">
+                <a:latin typeface="THE정고딕110" panose="02020603020101020101" pitchFamily="18" charset="-127"/>
+                <a:ea typeface="THE정고딕110" panose="02020603020101020101" pitchFamily="18" charset="-127"/>
+              </a:rPr>
+              <a:t>조준은 수평선</a:t>
+            </a:r>
+            <a:r>
+              <a:rPr lang="en-US" altLang="ko-KR">
+                <a:latin typeface="THE정고딕110" panose="02020603020101020101" pitchFamily="18" charset="-127"/>
+                <a:ea typeface="THE정고딕110" panose="02020603020101020101" pitchFamily="18" charset="-127"/>
+              </a:rPr>
+              <a:t>, </a:t>
+            </a:r>
+            <a:r>
+              <a:rPr lang="ko-KR" altLang="en-US">
+                <a:latin typeface="THE정고딕110" panose="02020603020101020101" pitchFamily="18" charset="-127"/>
+                <a:ea typeface="THE정고딕110" panose="02020603020101020101" pitchFamily="18" charset="-127"/>
+              </a:rPr>
+              <a:t>몸의 정면 기준으로 상하 </a:t>
+            </a:r>
+            <a:r>
+              <a:rPr lang="en-US" altLang="ko-KR">
+                <a:latin typeface="THE정고딕110" panose="02020603020101020101" pitchFamily="18" charset="-127"/>
+                <a:ea typeface="THE정고딕110" panose="02020603020101020101" pitchFamily="18" charset="-127"/>
+              </a:rPr>
+              <a:t>80</a:t>
+            </a:r>
+            <a:r>
+              <a:rPr lang="ko-KR" altLang="en-US">
+                <a:latin typeface="THE정고딕110" panose="02020603020101020101" pitchFamily="18" charset="-127"/>
+                <a:ea typeface="THE정고딕110" panose="02020603020101020101" pitchFamily="18" charset="-127"/>
+              </a:rPr>
+              <a:t>도</a:t>
+            </a:r>
+            <a:r>
+              <a:rPr lang="en-US" altLang="ko-KR">
+                <a:latin typeface="THE정고딕110" panose="02020603020101020101" pitchFamily="18" charset="-127"/>
+                <a:ea typeface="THE정고딕110" panose="02020603020101020101" pitchFamily="18" charset="-127"/>
+              </a:rPr>
+              <a:t>. </a:t>
+            </a:r>
+            <a:r>
+              <a:rPr lang="ko-KR" altLang="en-US">
+                <a:latin typeface="THE정고딕110" panose="02020603020101020101" pitchFamily="18" charset="-127"/>
+                <a:ea typeface="THE정고딕110" panose="02020603020101020101" pitchFamily="18" charset="-127"/>
+              </a:rPr>
+              <a:t>좌우는 회전하면 방향 벡터가 바뀌는 식</a:t>
+            </a:r>
+            <a:r>
+              <a:rPr lang="en-US" altLang="ko-KR">
+                <a:latin typeface="THE정고딕110" panose="02020603020101020101" pitchFamily="18" charset="-127"/>
+                <a:ea typeface="THE정고딕110" panose="02020603020101020101" pitchFamily="18" charset="-127"/>
+              </a:rPr>
+              <a:t>.</a:t>
+            </a:r>
+          </a:p>
+          <a:p>
+            <a:pPr lvl="1" algn="just"/>
+            <a:r>
+              <a:rPr lang="ko-KR" altLang="en-US">
+                <a:latin typeface="THE정고딕110" panose="02020603020101020101" pitchFamily="18" charset="-127"/>
+                <a:ea typeface="THE정고딕110" panose="02020603020101020101" pitchFamily="18" charset="-127"/>
+              </a:rPr>
+              <a:t>이동은 상하는 고정</a:t>
+            </a:r>
+            <a:r>
+              <a:rPr lang="en-US" altLang="ko-KR">
+                <a:latin typeface="THE정고딕110" panose="02020603020101020101" pitchFamily="18" charset="-127"/>
+                <a:ea typeface="THE정고딕110" panose="02020603020101020101" pitchFamily="18" charset="-127"/>
+              </a:rPr>
+              <a:t>, </a:t>
+            </a:r>
+            <a:r>
+              <a:rPr lang="ko-KR" altLang="en-US" err="1">
+                <a:latin typeface="THE정고딕110" panose="02020603020101020101" pitchFamily="18" charset="-127"/>
+                <a:ea typeface="THE정고딕110" panose="02020603020101020101" pitchFamily="18" charset="-127"/>
+              </a:rPr>
+              <a:t>전후좌우로만</a:t>
+            </a:r>
+            <a:r>
+              <a:rPr lang="ko-KR" altLang="en-US">
+                <a:latin typeface="THE정고딕110" panose="02020603020101020101" pitchFamily="18" charset="-127"/>
+                <a:ea typeface="THE정고딕110" panose="02020603020101020101" pitchFamily="18" charset="-127"/>
+              </a:rPr>
+              <a:t> 이동가능</a:t>
+            </a:r>
+            <a:r>
+              <a:rPr lang="en-US" altLang="ko-KR">
+                <a:latin typeface="THE정고딕110" panose="02020603020101020101" pitchFamily="18" charset="-127"/>
+                <a:ea typeface="THE정고딕110" panose="02020603020101020101" pitchFamily="18" charset="-127"/>
+              </a:rPr>
+              <a:t>(</a:t>
+            </a:r>
+            <a:r>
+              <a:rPr lang="ko-KR" altLang="en-US">
+                <a:latin typeface="THE정고딕110" panose="02020603020101020101" pitchFamily="18" charset="-127"/>
+                <a:ea typeface="THE정고딕110" panose="02020603020101020101" pitchFamily="18" charset="-127"/>
+              </a:rPr>
+              <a:t>방향벡터의 수평 투영벡터 기준</a:t>
+            </a:r>
+            <a:r>
+              <a:rPr lang="en-US" altLang="ko-KR">
+                <a:latin typeface="THE정고딕110" panose="02020603020101020101" pitchFamily="18" charset="-127"/>
+                <a:ea typeface="THE정고딕110" panose="02020603020101020101" pitchFamily="18" charset="-127"/>
+              </a:rPr>
+              <a:t>).</a:t>
+            </a:r>
+          </a:p>
+          <a:p>
+            <a:pPr lvl="1" algn="just"/>
+            <a:r>
+              <a:rPr lang="ko-KR" altLang="en-US">
+                <a:latin typeface="THE정고딕110" panose="02020603020101020101" pitchFamily="18" charset="-127"/>
+                <a:ea typeface="THE정고딕110" panose="02020603020101020101" pitchFamily="18" charset="-127"/>
+              </a:rPr>
+              <a:t>따라서 이동할 때는 수평선에 평행한 방향 벡터를 가져야 함</a:t>
+            </a:r>
+            <a:r>
+              <a:rPr lang="en-US" altLang="ko-KR">
+                <a:latin typeface="THE정고딕110" panose="02020603020101020101" pitchFamily="18" charset="-127"/>
+                <a:ea typeface="THE정고딕110" panose="02020603020101020101" pitchFamily="18" charset="-127"/>
+              </a:rPr>
+              <a:t>.</a:t>
+            </a:r>
+          </a:p>
+          <a:p>
+            <a:pPr lvl="1" algn="just"/>
+            <a:r>
+              <a:rPr lang="ko-KR" altLang="en-US">
+                <a:latin typeface="THE정고딕110" panose="02020603020101020101" pitchFamily="18" charset="-127"/>
+                <a:ea typeface="THE정고딕110" panose="02020603020101020101" pitchFamily="18" charset="-127"/>
+              </a:rPr>
+              <a:t>중력 영향을 받음</a:t>
+            </a:r>
+            <a:r>
+              <a:rPr lang="en-US" altLang="ko-KR">
+                <a:latin typeface="THE정고딕110" panose="02020603020101020101" pitchFamily="18" charset="-127"/>
+                <a:ea typeface="THE정고딕110" panose="02020603020101020101" pitchFamily="18" charset="-127"/>
+              </a:rPr>
+              <a:t>.</a:t>
+            </a:r>
+          </a:p>
+          <a:p>
+            <a:pPr marL="285750" indent="-285750" algn="just">
+              <a:buFontTx/>
+              <a:buChar char="-"/>
+            </a:pPr>
+            <a:endParaRPr lang="en-US" altLang="ko-KR">
+              <a:latin typeface="THE정고딕110" panose="02020603020101020101" pitchFamily="18" charset="-127"/>
+              <a:ea typeface="THE정고딕110" panose="02020603020101020101" pitchFamily="18" charset="-127"/>
+            </a:endParaRPr>
+          </a:p>
+          <a:p>
+            <a:pPr marL="285750" indent="-285750" algn="just">
+              <a:buFontTx/>
+              <a:buChar char="-"/>
+            </a:pPr>
+            <a:r>
+              <a:rPr lang="en-US" altLang="ko-KR">
+                <a:latin typeface="THE정고딕110" panose="02020603020101020101" pitchFamily="18" charset="-127"/>
+                <a:ea typeface="THE정고딕110" panose="02020603020101020101" pitchFamily="18" charset="-127"/>
+              </a:rPr>
+              <a:t>Bullet Object</a:t>
+            </a:r>
+          </a:p>
+          <a:p>
+            <a:pPr lvl="1" algn="just"/>
+            <a:r>
+              <a:rPr lang="ko-KR" altLang="en-US">
+                <a:latin typeface="THE정고딕110" panose="02020603020101020101" pitchFamily="18" charset="-127"/>
+                <a:ea typeface="THE정고딕110" panose="02020603020101020101" pitchFamily="18" charset="-127"/>
+              </a:rPr>
+              <a:t>생성될 때 방향 벡터를 갖고 시작함</a:t>
+            </a:r>
+            <a:r>
+              <a:rPr lang="en-US" altLang="ko-KR">
+                <a:latin typeface="THE정고딕110" panose="02020603020101020101" pitchFamily="18" charset="-127"/>
+                <a:ea typeface="THE정고딕110" panose="02020603020101020101" pitchFamily="18" charset="-127"/>
+              </a:rPr>
+              <a:t>.</a:t>
+            </a:r>
+          </a:p>
+          <a:p>
+            <a:pPr lvl="1" algn="just"/>
+            <a:r>
+              <a:rPr lang="ko-KR" altLang="en-US">
+                <a:latin typeface="THE정고딕110" panose="02020603020101020101" pitchFamily="18" charset="-127"/>
+                <a:ea typeface="THE정고딕110" panose="02020603020101020101" pitchFamily="18" charset="-127"/>
+              </a:rPr>
+              <a:t>이동은 방향 벡터에 따라 상하좌우 자유로움</a:t>
+            </a:r>
+            <a:r>
+              <a:rPr lang="en-US" altLang="ko-KR">
+                <a:latin typeface="THE정고딕110" panose="02020603020101020101" pitchFamily="18" charset="-127"/>
+                <a:ea typeface="THE정고딕110" panose="02020603020101020101" pitchFamily="18" charset="-127"/>
+              </a:rPr>
+              <a:t>.</a:t>
+            </a:r>
+          </a:p>
+          <a:p>
+            <a:pPr lvl="1" algn="just"/>
+            <a:r>
+              <a:rPr lang="ko-KR" altLang="en-US">
+                <a:latin typeface="THE정고딕110" panose="02020603020101020101" pitchFamily="18" charset="-127"/>
+                <a:ea typeface="THE정고딕110" panose="02020603020101020101" pitchFamily="18" charset="-127"/>
+              </a:rPr>
+              <a:t>이동할 때</a:t>
+            </a:r>
+            <a:r>
+              <a:rPr lang="en-US" altLang="ko-KR">
+                <a:latin typeface="THE정고딕110" panose="02020603020101020101" pitchFamily="18" charset="-127"/>
+                <a:ea typeface="THE정고딕110" panose="02020603020101020101" pitchFamily="18" charset="-127"/>
+              </a:rPr>
+              <a:t>, </a:t>
+            </a:r>
+            <a:r>
+              <a:rPr lang="ko-KR" altLang="en-US">
+                <a:latin typeface="THE정고딕110" panose="02020603020101020101" pitchFamily="18" charset="-127"/>
+                <a:ea typeface="THE정고딕110" panose="02020603020101020101" pitchFamily="18" charset="-127"/>
+              </a:rPr>
+              <a:t>정면</a:t>
+            </a:r>
+            <a:r>
+              <a:rPr lang="en-US" altLang="ko-KR">
+                <a:latin typeface="THE정고딕110" panose="02020603020101020101" pitchFamily="18" charset="-127"/>
+                <a:ea typeface="THE정고딕110" panose="02020603020101020101" pitchFamily="18" charset="-127"/>
+              </a:rPr>
+              <a:t>(</a:t>
+            </a:r>
+            <a:r>
+              <a:rPr lang="ko-KR" altLang="en-US">
+                <a:latin typeface="THE정고딕110" panose="02020603020101020101" pitchFamily="18" charset="-127"/>
+                <a:ea typeface="THE정고딕110" panose="02020603020101020101" pitchFamily="18" charset="-127"/>
+              </a:rPr>
+              <a:t>방향 벡터</a:t>
+            </a:r>
+            <a:r>
+              <a:rPr lang="en-US" altLang="ko-KR">
+                <a:latin typeface="THE정고딕110" panose="02020603020101020101" pitchFamily="18" charset="-127"/>
+                <a:ea typeface="THE정고딕110" panose="02020603020101020101" pitchFamily="18" charset="-127"/>
+              </a:rPr>
+              <a:t>)</a:t>
+            </a:r>
+            <a:r>
+              <a:rPr lang="ko-KR" altLang="en-US">
+                <a:latin typeface="THE정고딕110" panose="02020603020101020101" pitchFamily="18" charset="-127"/>
+                <a:ea typeface="THE정고딕110" panose="02020603020101020101" pitchFamily="18" charset="-127"/>
+              </a:rPr>
+              <a:t>으로 이동</a:t>
+            </a:r>
+            <a:endParaRPr lang="en-US" altLang="ko-KR">
+              <a:latin typeface="THE정고딕110" panose="02020603020101020101" pitchFamily="18" charset="-127"/>
+              <a:ea typeface="THE정고딕110" panose="02020603020101020101" pitchFamily="18" charset="-127"/>
+            </a:endParaRPr>
+          </a:p>
+          <a:p>
+            <a:pPr lvl="1" algn="just"/>
+            <a:r>
+              <a:rPr lang="ko-KR" altLang="en-US">
+                <a:latin typeface="THE정고딕110" panose="02020603020101020101" pitchFamily="18" charset="-127"/>
+                <a:ea typeface="THE정고딕110" panose="02020603020101020101" pitchFamily="18" charset="-127"/>
+              </a:rPr>
+              <a:t>중력 영향 고려</a:t>
+            </a:r>
+            <a:r>
+              <a:rPr lang="en-US" altLang="ko-KR">
+                <a:latin typeface="THE정고딕110" panose="02020603020101020101" pitchFamily="18" charset="-127"/>
+                <a:ea typeface="THE정고딕110" panose="02020603020101020101" pitchFamily="18" charset="-127"/>
+              </a:rPr>
+              <a:t>.</a:t>
+            </a:r>
+          </a:p>
+          <a:p>
+            <a:pPr lvl="1" algn="just"/>
+            <a:r>
+              <a:rPr lang="en-US" altLang="ko-KR">
+                <a:latin typeface="THE정고딕110" panose="02020603020101020101" pitchFamily="18" charset="-127"/>
+                <a:ea typeface="THE정고딕110" panose="02020603020101020101" pitchFamily="18" charset="-127"/>
+              </a:rPr>
+              <a:t>(</a:t>
+            </a:r>
+            <a:r>
+              <a:rPr lang="ko-KR" altLang="en-US">
+                <a:latin typeface="THE정고딕110" panose="02020603020101020101" pitchFamily="18" charset="-127"/>
+                <a:ea typeface="THE정고딕110" panose="02020603020101020101" pitchFamily="18" charset="-127"/>
+              </a:rPr>
+              <a:t>없어질 때는 촛불 꺼지는 사운드</a:t>
+            </a:r>
+            <a:r>
+              <a:rPr lang="en-US" altLang="ko-KR">
+                <a:latin typeface="THE정고딕110" panose="02020603020101020101" pitchFamily="18" charset="-127"/>
+                <a:ea typeface="THE정고딕110" panose="02020603020101020101" pitchFamily="18" charset="-127"/>
+              </a:rPr>
+              <a:t>, </a:t>
+            </a:r>
+            <a:r>
+              <a:rPr lang="ko-KR" altLang="en-US">
+                <a:latin typeface="THE정고딕110" panose="02020603020101020101" pitchFamily="18" charset="-127"/>
+                <a:ea typeface="THE정고딕110" panose="02020603020101020101" pitchFamily="18" charset="-127"/>
+              </a:rPr>
+              <a:t>적중 시에는 별도의 </a:t>
+            </a:r>
+            <a:r>
+              <a:rPr lang="ko-KR" altLang="en-US" err="1">
+                <a:latin typeface="THE정고딕110" panose="02020603020101020101" pitchFamily="18" charset="-127"/>
+                <a:ea typeface="THE정고딕110" panose="02020603020101020101" pitchFamily="18" charset="-127"/>
+              </a:rPr>
+              <a:t>타격음</a:t>
+            </a:r>
+            <a:r>
+              <a:rPr lang="en-US" altLang="ko-KR">
+                <a:latin typeface="THE정고딕110" panose="02020603020101020101" pitchFamily="18" charset="-127"/>
+                <a:ea typeface="THE정고딕110" panose="02020603020101020101" pitchFamily="18" charset="-127"/>
+              </a:rPr>
+              <a:t>)</a:t>
+            </a:r>
+          </a:p>
+          <a:p>
+            <a:pPr marL="285750" indent="-285750" algn="just">
+              <a:buFontTx/>
+              <a:buChar char="-"/>
+            </a:pPr>
+            <a:endParaRPr lang="en-US" altLang="ko-KR">
+              <a:latin typeface="THE정고딕110" panose="02020603020101020101" pitchFamily="18" charset="-127"/>
+              <a:ea typeface="THE정고딕110" panose="02020603020101020101" pitchFamily="18" charset="-127"/>
+            </a:endParaRPr>
+          </a:p>
+          <a:p>
+            <a:pPr marL="285750" indent="-285750" algn="just">
+              <a:buFontTx/>
+              <a:buChar char="-"/>
+            </a:pPr>
+            <a:r>
+              <a:rPr lang="en-US" altLang="ko-KR">
+                <a:latin typeface="THE정고딕110" panose="02020603020101020101" pitchFamily="18" charset="-127"/>
+                <a:ea typeface="THE정고딕110" panose="02020603020101020101" pitchFamily="18" charset="-127"/>
+              </a:rPr>
+              <a:t>Skill Projectile </a:t>
+            </a:r>
+          </a:p>
+          <a:p>
+            <a:pPr lvl="1" algn="just"/>
+            <a:r>
+              <a:rPr lang="ko-KR" altLang="en-US">
+                <a:latin typeface="THE정고딕110" panose="02020603020101020101" pitchFamily="18" charset="-127"/>
+                <a:ea typeface="THE정고딕110" panose="02020603020101020101" pitchFamily="18" charset="-127"/>
+              </a:rPr>
+              <a:t>생성될 때 방향 벡터를 갖고 시작함</a:t>
+            </a:r>
+            <a:r>
+              <a:rPr lang="en-US" altLang="ko-KR">
+                <a:latin typeface="THE정고딕110" panose="02020603020101020101" pitchFamily="18" charset="-127"/>
+                <a:ea typeface="THE정고딕110" panose="02020603020101020101" pitchFamily="18" charset="-127"/>
+              </a:rPr>
+              <a:t>.</a:t>
+            </a:r>
+          </a:p>
+          <a:p>
+            <a:pPr lvl="1" algn="just"/>
+            <a:r>
+              <a:rPr lang="ko-KR" altLang="en-US">
+                <a:latin typeface="THE정고딕110" panose="02020603020101020101" pitchFamily="18" charset="-127"/>
+                <a:ea typeface="THE정고딕110" panose="02020603020101020101" pitchFamily="18" charset="-127"/>
+              </a:rPr>
+              <a:t>이동은 방향 벡터에 따라 상하좌우 자유로움</a:t>
+            </a:r>
+            <a:r>
+              <a:rPr lang="en-US" altLang="ko-KR">
+                <a:latin typeface="THE정고딕110" panose="02020603020101020101" pitchFamily="18" charset="-127"/>
+                <a:ea typeface="THE정고딕110" panose="02020603020101020101" pitchFamily="18" charset="-127"/>
+              </a:rPr>
+              <a:t>.</a:t>
+            </a:r>
+          </a:p>
+          <a:p>
+            <a:pPr lvl="1" algn="just"/>
+            <a:r>
+              <a:rPr lang="ko-KR" altLang="en-US">
+                <a:latin typeface="THE정고딕110" panose="02020603020101020101" pitchFamily="18" charset="-127"/>
+                <a:ea typeface="THE정고딕110" panose="02020603020101020101" pitchFamily="18" charset="-127"/>
+              </a:rPr>
+              <a:t>이동할 때</a:t>
+            </a:r>
+            <a:r>
+              <a:rPr lang="en-US" altLang="ko-KR">
+                <a:latin typeface="THE정고딕110" panose="02020603020101020101" pitchFamily="18" charset="-127"/>
+                <a:ea typeface="THE정고딕110" panose="02020603020101020101" pitchFamily="18" charset="-127"/>
+              </a:rPr>
+              <a:t>, </a:t>
+            </a:r>
+            <a:r>
+              <a:rPr lang="ko-KR" altLang="en-US">
+                <a:latin typeface="THE정고딕110" panose="02020603020101020101" pitchFamily="18" charset="-127"/>
+                <a:ea typeface="THE정고딕110" panose="02020603020101020101" pitchFamily="18" charset="-127"/>
+              </a:rPr>
+              <a:t>정면</a:t>
+            </a:r>
+            <a:r>
+              <a:rPr lang="en-US" altLang="ko-KR">
+                <a:latin typeface="THE정고딕110" panose="02020603020101020101" pitchFamily="18" charset="-127"/>
+                <a:ea typeface="THE정고딕110" panose="02020603020101020101" pitchFamily="18" charset="-127"/>
+              </a:rPr>
+              <a:t>(</a:t>
+            </a:r>
+            <a:r>
+              <a:rPr lang="ko-KR" altLang="en-US">
+                <a:latin typeface="THE정고딕110" panose="02020603020101020101" pitchFamily="18" charset="-127"/>
+                <a:ea typeface="THE정고딕110" panose="02020603020101020101" pitchFamily="18" charset="-127"/>
+              </a:rPr>
+              <a:t>방향 벡터</a:t>
+            </a:r>
+            <a:r>
+              <a:rPr lang="en-US" altLang="ko-KR">
+                <a:latin typeface="THE정고딕110" panose="02020603020101020101" pitchFamily="18" charset="-127"/>
+                <a:ea typeface="THE정고딕110" panose="02020603020101020101" pitchFamily="18" charset="-127"/>
+              </a:rPr>
+              <a:t>)</a:t>
+            </a:r>
+            <a:r>
+              <a:rPr lang="ko-KR" altLang="en-US">
+                <a:latin typeface="THE정고딕110" panose="02020603020101020101" pitchFamily="18" charset="-127"/>
+                <a:ea typeface="THE정고딕110" panose="02020603020101020101" pitchFamily="18" charset="-127"/>
+              </a:rPr>
+              <a:t>으로 이동</a:t>
+            </a:r>
+            <a:endParaRPr lang="en-US" altLang="ko-KR">
+              <a:latin typeface="THE정고딕110" panose="02020603020101020101" pitchFamily="18" charset="-127"/>
+              <a:ea typeface="THE정고딕110" panose="02020603020101020101" pitchFamily="18" charset="-127"/>
+            </a:endParaRPr>
+          </a:p>
+          <a:p>
+            <a:pPr lvl="1" algn="just"/>
+            <a:r>
+              <a:rPr lang="ko-KR" altLang="en-US">
+                <a:latin typeface="THE정고딕110" panose="02020603020101020101" pitchFamily="18" charset="-127"/>
+                <a:ea typeface="THE정고딕110" panose="02020603020101020101" pitchFamily="18" charset="-127"/>
+              </a:rPr>
+              <a:t>중력 영향 고려</a:t>
+            </a:r>
+            <a:r>
+              <a:rPr lang="en-US" altLang="ko-KR">
+                <a:latin typeface="THE정고딕110" panose="02020603020101020101" pitchFamily="18" charset="-127"/>
+                <a:ea typeface="THE정고딕110" panose="02020603020101020101" pitchFamily="18" charset="-127"/>
+              </a:rPr>
+              <a:t>.</a:t>
+            </a:r>
+          </a:p>
+          <a:p>
+            <a:pPr lvl="1" algn="just"/>
+            <a:r>
+              <a:rPr lang="en-US" altLang="ko-KR">
+                <a:latin typeface="THE정고딕110" panose="02020603020101020101" pitchFamily="18" charset="-127"/>
+                <a:ea typeface="THE정고딕110" panose="02020603020101020101" pitchFamily="18" charset="-127"/>
+              </a:rPr>
+              <a:t>(</a:t>
+            </a:r>
+            <a:r>
+              <a:rPr lang="ko-KR" altLang="en-US">
+                <a:latin typeface="THE정고딕110" panose="02020603020101020101" pitchFamily="18" charset="-127"/>
+                <a:ea typeface="THE정고딕110" panose="02020603020101020101" pitchFamily="18" charset="-127"/>
+              </a:rPr>
+              <a:t>스킬 별 사운드</a:t>
+            </a:r>
+            <a:r>
+              <a:rPr lang="en-US" altLang="ko-KR">
+                <a:latin typeface="THE정고딕110" panose="02020603020101020101" pitchFamily="18" charset="-127"/>
+                <a:ea typeface="THE정고딕110" panose="02020603020101020101" pitchFamily="18" charset="-127"/>
+              </a:rPr>
+              <a:t>)</a:t>
+            </a:r>
+          </a:p>
+        </p:txBody>
+      </p:sp>
+    </p:spTree>
+    <p:extLst>
+      <p:ext uri="{BB962C8B-B14F-4D97-AF65-F5344CB8AC3E}">
+        <p14:creationId xmlns:p14="http://schemas.microsoft.com/office/powerpoint/2010/main" val="363327284"/>
       </p:ext>
     </p:extLst>
   </p:cSld>
@@ -4588,8 +5697,11 @@
         <a:spAutoFit/>
       </a:bodyPr>
       <a:lstStyle>
-        <a:defPPr algn="ctr">
-          <a:defRPr dirty="0" smtClean="0"/>
+        <a:defPPr algn="just">
+          <a:defRPr dirty="0" smtClean="0">
+            <a:latin typeface="THE정고딕110" panose="02020603020101020101" pitchFamily="18" charset="-127"/>
+            <a:ea typeface="THE정고딕110" panose="02020603020101020101" pitchFamily="18" charset="-127"/>
+          </a:defRPr>
         </a:defPPr>
       </a:lstStyle>
     </a:txDef>
